--- a/IntroCyberSecurity/Module 3 Software Security/Lesson_1_Failures_flaws_common_vulnerabilities.pptx
+++ b/IntroCyberSecurity/Module 3 Software Security/Lesson_1_Failures_flaws_common_vulnerabilities.pptx
@@ -37,7 +37,7 @@
     <p:sldId id="396" r:id="rId25"/>
     <p:sldId id="398" r:id="rId26"/>
     <p:sldId id="407" r:id="rId27"/>
-    <p:sldId id="333" r:id="rId28"/>
+    <p:sldId id="408" r:id="rId28"/>
   </p:sldIdLst>
   <p:sldSz cx="9144000" cy="6858000" type="screen4x3"/>
   <p:notesSz cx="7315200" cy="9601200"/>
@@ -345,7 +345,7 @@
           <a:p>
             <a:fld id="{69681EB2-C68B-4747-8842-97BF53E9999B}" type="datetimeFigureOut">
               <a:rPr lang="en-US" smtClean="0"/>
-              <a:t>4/1/2018</a:t>
+              <a:t>4/24/18</a:t>
             </a:fld>
             <a:endParaRPr lang="en-US"/>
           </a:p>
@@ -538,7 +538,7 @@
               <a:pPr>
                 <a:defRPr/>
               </a:pPr>
-              <a:t>4/1/2018</a:t>
+              <a:t>4/24/18</a:t>
             </a:fld>
             <a:endParaRPr lang="en-US"/>
           </a:p>
@@ -1161,10 +1161,39 @@
           </a:p>
         </p:txBody>
       </p:sp>
+      <p:sp>
+        <p:nvSpPr>
+          <p:cNvPr id="4" name="Slide Number Placeholder 3"/>
+          <p:cNvSpPr>
+            <a:spLocks noGrp="1"/>
+          </p:cNvSpPr>
+          <p:nvPr>
+            <p:ph type="sldNum" sz="quarter" idx="10"/>
+          </p:nvPr>
+        </p:nvSpPr>
+        <p:spPr/>
+        <p:txBody>
+          <a:bodyPr/>
+          <a:lstStyle/>
+          <a:p>
+            <a:pPr>
+              <a:defRPr/>
+            </a:pPr>
+            <a:fld id="{ABC2C3F8-920C-4239-9891-79F2271E8033}" type="slidenum">
+              <a:rPr lang="en-US" smtClean="0"/>
+              <a:pPr>
+                <a:defRPr/>
+              </a:pPr>
+              <a:t>27</a:t>
+            </a:fld>
+            <a:endParaRPr lang="en-US"/>
+          </a:p>
+        </p:txBody>
+      </p:sp>
     </p:spTree>
     <p:extLst>
       <p:ext uri="{BB962C8B-B14F-4D97-AF65-F5344CB8AC3E}">
-        <p14:creationId xmlns:p14="http://schemas.microsoft.com/office/powerpoint/2010/main" val="2433617412"/>
+        <p14:creationId xmlns:p14="http://schemas.microsoft.com/office/powerpoint/2010/main" val="44271085"/>
       </p:ext>
     </p:extLst>
   </p:cSld>
@@ -3128,7 +3157,7 @@
           <p:cNvPr id="3" name="Slide Number Placeholder 2">
             <a:extLst>
               <a:ext uri="{FF2B5EF4-FFF2-40B4-BE49-F238E27FC236}">
-                <a16:creationId xmlns:a16="http://schemas.microsoft.com/office/drawing/2014/main" id="{7D2FFADE-E1BC-48C1-83AA-6DDDD39A33C4}"/>
+                <a16:creationId xmlns:a16="http://schemas.microsoft.com/office/drawing/2014/main" xmlns="" id="{7D2FFADE-E1BC-48C1-83AA-6DDDD39A33C4}"/>
               </a:ext>
             </a:extLst>
           </p:cNvPr>
@@ -3163,7 +3192,7 @@
           <p:cNvPr id="9" name="Picture 8">
             <a:extLst>
               <a:ext uri="{FF2B5EF4-FFF2-40B4-BE49-F238E27FC236}">
-                <a16:creationId xmlns:a16="http://schemas.microsoft.com/office/drawing/2014/main" id="{9CBFC76A-A606-42CF-BCDF-C73975C150B9}"/>
+                <a16:creationId xmlns:a16="http://schemas.microsoft.com/office/drawing/2014/main" xmlns="" id="{9CBFC76A-A606-42CF-BCDF-C73975C150B9}"/>
               </a:ext>
             </a:extLst>
           </p:cNvPr>
@@ -3193,7 +3222,7 @@
           <p:cNvPr id="2" name="Title 1">
             <a:extLst>
               <a:ext uri="{FF2B5EF4-FFF2-40B4-BE49-F238E27FC236}">
-                <a16:creationId xmlns:a16="http://schemas.microsoft.com/office/drawing/2014/main" id="{5C287DE2-E1A2-4F41-96FE-94AF4425CB03}"/>
+                <a16:creationId xmlns:a16="http://schemas.microsoft.com/office/drawing/2014/main" xmlns="" id="{5C287DE2-E1A2-4F41-96FE-94AF4425CB03}"/>
               </a:ext>
             </a:extLst>
           </p:cNvPr>
@@ -3218,6 +3247,10 @@
             </a:lvl1pPr>
           </a:lstStyle>
           <a:p>
+            <a:r>
+              <a:rPr lang="en-US" dirty="0"/>
+              <a:t/>
+            </a:r>
             <a:br>
               <a:rPr lang="en-US" dirty="0"/>
             </a:br>
@@ -3228,27 +3261,59 @@
             <a:br>
               <a:rPr lang="en-US" dirty="0"/>
             </a:br>
+            <a:r>
+              <a:rPr lang="en-US" dirty="0"/>
+              <a:t/>
+            </a:r>
             <a:br>
               <a:rPr lang="en-US" dirty="0"/>
             </a:br>
+            <a:r>
+              <a:rPr lang="en-US" dirty="0"/>
+              <a:t/>
+            </a:r>
             <a:br>
               <a:rPr lang="en-US" dirty="0"/>
             </a:br>
+            <a:r>
+              <a:rPr lang="en-US" dirty="0"/>
+              <a:t/>
+            </a:r>
             <a:br>
               <a:rPr lang="en-US" dirty="0"/>
             </a:br>
+            <a:r>
+              <a:rPr lang="en-US" dirty="0"/>
+              <a:t/>
+            </a:r>
             <a:br>
               <a:rPr lang="en-US" dirty="0"/>
             </a:br>
+            <a:r>
+              <a:rPr lang="en-US" dirty="0"/>
+              <a:t/>
+            </a:r>
             <a:br>
               <a:rPr lang="en-US" dirty="0"/>
             </a:br>
+            <a:r>
+              <a:rPr lang="en-US" dirty="0"/>
+              <a:t/>
+            </a:r>
             <a:br>
               <a:rPr lang="en-US" dirty="0"/>
             </a:br>
+            <a:r>
+              <a:rPr lang="en-US" dirty="0"/>
+              <a:t/>
+            </a:r>
             <a:br>
               <a:rPr lang="en-US" dirty="0"/>
             </a:br>
+            <a:r>
+              <a:rPr lang="en-US" dirty="0"/>
+              <a:t/>
+            </a:r>
             <a:br>
               <a:rPr lang="en-US" dirty="0"/>
             </a:br>
@@ -3259,6 +3324,10 @@
             <a:br>
               <a:rPr lang="en-US" dirty="0"/>
             </a:br>
+            <a:r>
+              <a:rPr lang="en-US" dirty="0"/>
+              <a:t/>
+            </a:r>
             <a:br>
               <a:rPr lang="en-US" dirty="0"/>
             </a:br>
@@ -3269,6 +3338,10 @@
             <a:br>
               <a:rPr lang="en-US" dirty="0"/>
             </a:br>
+            <a:r>
+              <a:rPr lang="en-US" dirty="0"/>
+              <a:t/>
+            </a:r>
             <a:br>
               <a:rPr lang="en-US" dirty="0"/>
             </a:br>
@@ -4214,7 +4287,7 @@
           <p:cNvPr id="2" name="Title 1">
             <a:extLst>
               <a:ext uri="{FF2B5EF4-FFF2-40B4-BE49-F238E27FC236}">
-                <a16:creationId xmlns:a16="http://schemas.microsoft.com/office/drawing/2014/main" id="{6EB309E1-B997-4458-AE28-FCADE36405DE}"/>
+                <a16:creationId xmlns:a16="http://schemas.microsoft.com/office/drawing/2014/main" xmlns="" id="{6EB309E1-B997-4458-AE28-FCADE36405DE}"/>
               </a:ext>
             </a:extLst>
           </p:cNvPr>
@@ -4255,7 +4328,7 @@
           <p:cNvPr id="3" name="Subtitle 2">
             <a:extLst>
               <a:ext uri="{FF2B5EF4-FFF2-40B4-BE49-F238E27FC236}">
-                <a16:creationId xmlns:a16="http://schemas.microsoft.com/office/drawing/2014/main" id="{6E3BDCF0-5416-4AF1-BF2C-3F3EE2810088}"/>
+                <a16:creationId xmlns:a16="http://schemas.microsoft.com/office/drawing/2014/main" xmlns="" id="{6E3BDCF0-5416-4AF1-BF2C-3F3EE2810088}"/>
               </a:ext>
             </a:extLst>
           </p:cNvPr>
@@ -4795,7 +4868,7 @@
           <p:cNvPr id="2" name="Title 1">
             <a:extLst>
               <a:ext uri="{FF2B5EF4-FFF2-40B4-BE49-F238E27FC236}">
-                <a16:creationId xmlns:a16="http://schemas.microsoft.com/office/drawing/2014/main" id="{7E8B039C-B05D-45BF-8486-9862CF7396F9}"/>
+                <a16:creationId xmlns:a16="http://schemas.microsoft.com/office/drawing/2014/main" xmlns="" id="{7E8B039C-B05D-45BF-8486-9862CF7396F9}"/>
               </a:ext>
             </a:extLst>
           </p:cNvPr>
@@ -4824,7 +4897,7 @@
           <p:cNvPr id="3" name="Content Placeholder 2">
             <a:extLst>
               <a:ext uri="{FF2B5EF4-FFF2-40B4-BE49-F238E27FC236}">
-                <a16:creationId xmlns:a16="http://schemas.microsoft.com/office/drawing/2014/main" id="{06C07912-7C34-4B10-9E08-D2367F492F1A}"/>
+                <a16:creationId xmlns:a16="http://schemas.microsoft.com/office/drawing/2014/main" xmlns="" id="{06C07912-7C34-4B10-9E08-D2367F492F1A}"/>
               </a:ext>
             </a:extLst>
           </p:cNvPr>
@@ -4897,7 +4970,7 @@
           <p:cNvPr id="2" name="Title 1">
             <a:extLst>
               <a:ext uri="{FF2B5EF4-FFF2-40B4-BE49-F238E27FC236}">
-                <a16:creationId xmlns:a16="http://schemas.microsoft.com/office/drawing/2014/main" id="{54C5236F-E435-401B-BC10-FB90BAB298DA}"/>
+                <a16:creationId xmlns:a16="http://schemas.microsoft.com/office/drawing/2014/main" xmlns="" id="{54C5236F-E435-401B-BC10-FB90BAB298DA}"/>
               </a:ext>
             </a:extLst>
           </p:cNvPr>
@@ -4925,7 +4998,7 @@
           <p:cNvPr id="3" name="Content Placeholder 2">
             <a:extLst>
               <a:ext uri="{FF2B5EF4-FFF2-40B4-BE49-F238E27FC236}">
-                <a16:creationId xmlns:a16="http://schemas.microsoft.com/office/drawing/2014/main" id="{EE8494F4-4892-4E3C-8E2C-6E62FA35F27F}"/>
+                <a16:creationId xmlns:a16="http://schemas.microsoft.com/office/drawing/2014/main" xmlns="" id="{EE8494F4-4892-4E3C-8E2C-6E62FA35F27F}"/>
               </a:ext>
             </a:extLst>
           </p:cNvPr>
@@ -4979,7 +5052,7 @@
           <p:cNvPr id="4" name="Picture 3" title="Sign and magnitude">
             <a:extLst>
               <a:ext uri="{FF2B5EF4-FFF2-40B4-BE49-F238E27FC236}">
-                <a16:creationId xmlns:a16="http://schemas.microsoft.com/office/drawing/2014/main" id="{6BB25C3E-903D-4E69-86A2-3A40357F5D95}"/>
+                <a16:creationId xmlns:a16="http://schemas.microsoft.com/office/drawing/2014/main" xmlns="" id="{6BB25C3E-903D-4E69-86A2-3A40357F5D95}"/>
               </a:ext>
             </a:extLst>
           </p:cNvPr>
@@ -5080,7 +5153,7 @@
           <p:cNvPr id="2" name="Title 1" title="One’s Complement">
             <a:extLst>
               <a:ext uri="{FF2B5EF4-FFF2-40B4-BE49-F238E27FC236}">
-                <a16:creationId xmlns:a16="http://schemas.microsoft.com/office/drawing/2014/main" id="{530B8D34-F815-4761-8685-850FE9ED70FF}"/>
+                <a16:creationId xmlns:a16="http://schemas.microsoft.com/office/drawing/2014/main" xmlns="" id="{530B8D34-F815-4761-8685-850FE9ED70FF}"/>
               </a:ext>
             </a:extLst>
           </p:cNvPr>
@@ -5109,7 +5182,7 @@
           <p:cNvPr id="3" name="Content Placeholder 2">
             <a:extLst>
               <a:ext uri="{FF2B5EF4-FFF2-40B4-BE49-F238E27FC236}">
-                <a16:creationId xmlns:a16="http://schemas.microsoft.com/office/drawing/2014/main" id="{BB80415C-EB33-4C60-9FCE-B18C4EFD8AB8}"/>
+                <a16:creationId xmlns:a16="http://schemas.microsoft.com/office/drawing/2014/main" xmlns="" id="{BB80415C-EB33-4C60-9FCE-B18C4EFD8AB8}"/>
               </a:ext>
             </a:extLst>
           </p:cNvPr>
@@ -5188,7 +5261,7 @@
             <p:cNvPr id="5" name="Group 4">
               <a:extLst>
                 <a:ext uri="{FF2B5EF4-FFF2-40B4-BE49-F238E27FC236}">
-                  <a16:creationId xmlns:a16="http://schemas.microsoft.com/office/drawing/2014/main" id="{DA06B23F-56CD-446F-9247-89C787F120BA}"/>
+                  <a16:creationId xmlns:a16="http://schemas.microsoft.com/office/drawing/2014/main" xmlns="" id="{DA06B23F-56CD-446F-9247-89C787F120BA}"/>
                 </a:ext>
               </a:extLst>
             </p:cNvPr>
@@ -5210,7 +5283,7 @@
               <p:cNvPr id="9" name="Text Box 5">
                 <a:extLst>
                   <a:ext uri="{FF2B5EF4-FFF2-40B4-BE49-F238E27FC236}">
-                    <a16:creationId xmlns:a16="http://schemas.microsoft.com/office/drawing/2014/main" id="{1AC51C26-6331-4AD4-B617-C3E97712D7D3}"/>
+                    <a16:creationId xmlns:a16="http://schemas.microsoft.com/office/drawing/2014/main" xmlns="" id="{1AC51C26-6331-4AD4-B617-C3E97712D7D3}"/>
                   </a:ext>
                 </a:extLst>
               </p:cNvPr>
@@ -5411,7 +5484,7 @@
               <p:cNvPr id="10" name="Text Box 6">
                 <a:extLst>
                   <a:ext uri="{FF2B5EF4-FFF2-40B4-BE49-F238E27FC236}">
-                    <a16:creationId xmlns:a16="http://schemas.microsoft.com/office/drawing/2014/main" id="{E84684FB-A3E4-4CE5-A2AD-E5B8FC6DDAA9}"/>
+                    <a16:creationId xmlns:a16="http://schemas.microsoft.com/office/drawing/2014/main" xmlns="" id="{E84684FB-A3E4-4CE5-A2AD-E5B8FC6DDAA9}"/>
                   </a:ext>
                 </a:extLst>
               </p:cNvPr>
@@ -5612,7 +5685,7 @@
               <p:cNvPr id="11" name="Line 7">
                 <a:extLst>
                   <a:ext uri="{FF2B5EF4-FFF2-40B4-BE49-F238E27FC236}">
-                    <a16:creationId xmlns:a16="http://schemas.microsoft.com/office/drawing/2014/main" id="{E38FABEA-E586-4EAC-8FC5-030CB36E83DC}"/>
+                    <a16:creationId xmlns:a16="http://schemas.microsoft.com/office/drawing/2014/main" xmlns="" id="{E38FABEA-E586-4EAC-8FC5-030CB36E83DC}"/>
                   </a:ext>
                 </a:extLst>
               </p:cNvPr>
@@ -5800,7 +5873,7 @@
               <p:cNvPr id="12" name="Line 8">
                 <a:extLst>
                   <a:ext uri="{FF2B5EF4-FFF2-40B4-BE49-F238E27FC236}">
-                    <a16:creationId xmlns:a16="http://schemas.microsoft.com/office/drawing/2014/main" id="{6B9511BD-EE93-4E10-8CA7-9B87C479E8C6}"/>
+                    <a16:creationId xmlns:a16="http://schemas.microsoft.com/office/drawing/2014/main" xmlns="" id="{6B9511BD-EE93-4E10-8CA7-9B87C479E8C6}"/>
                   </a:ext>
                 </a:extLst>
               </p:cNvPr>
@@ -5988,7 +6061,7 @@
               <p:cNvPr id="13" name="Line 9">
                 <a:extLst>
                   <a:ext uri="{FF2B5EF4-FFF2-40B4-BE49-F238E27FC236}">
-                    <a16:creationId xmlns:a16="http://schemas.microsoft.com/office/drawing/2014/main" id="{6CB0A2F1-B7D5-431B-A16F-D2E10FD47542}"/>
+                    <a16:creationId xmlns:a16="http://schemas.microsoft.com/office/drawing/2014/main" xmlns="" id="{6CB0A2F1-B7D5-431B-A16F-D2E10FD47542}"/>
                   </a:ext>
                 </a:extLst>
               </p:cNvPr>
@@ -6176,7 +6249,7 @@
               <p:cNvPr id="14" name="Line 10">
                 <a:extLst>
                   <a:ext uri="{FF2B5EF4-FFF2-40B4-BE49-F238E27FC236}">
-                    <a16:creationId xmlns:a16="http://schemas.microsoft.com/office/drawing/2014/main" id="{4B1CCD1F-88D3-44E1-A282-930D674E3BB9}"/>
+                    <a16:creationId xmlns:a16="http://schemas.microsoft.com/office/drawing/2014/main" xmlns="" id="{4B1CCD1F-88D3-44E1-A282-930D674E3BB9}"/>
                   </a:ext>
                 </a:extLst>
               </p:cNvPr>
@@ -6364,7 +6437,7 @@
               <p:cNvPr id="15" name="Line 11">
                 <a:extLst>
                   <a:ext uri="{FF2B5EF4-FFF2-40B4-BE49-F238E27FC236}">
-                    <a16:creationId xmlns:a16="http://schemas.microsoft.com/office/drawing/2014/main" id="{36D38AA3-668C-4EAE-B84D-E0E774B5ABE0}"/>
+                    <a16:creationId xmlns:a16="http://schemas.microsoft.com/office/drawing/2014/main" xmlns="" id="{36D38AA3-668C-4EAE-B84D-E0E774B5ABE0}"/>
                   </a:ext>
                 </a:extLst>
               </p:cNvPr>
@@ -6552,7 +6625,7 @@
               <p:cNvPr id="16" name="Line 12">
                 <a:extLst>
                   <a:ext uri="{FF2B5EF4-FFF2-40B4-BE49-F238E27FC236}">
-                    <a16:creationId xmlns:a16="http://schemas.microsoft.com/office/drawing/2014/main" id="{DEE67166-47E8-45FA-9035-7DFE71027E4F}"/>
+                    <a16:creationId xmlns:a16="http://schemas.microsoft.com/office/drawing/2014/main" xmlns="" id="{DEE67166-47E8-45FA-9035-7DFE71027E4F}"/>
                   </a:ext>
                 </a:extLst>
               </p:cNvPr>
@@ -6740,7 +6813,7 @@
               <p:cNvPr id="17" name="Line 13">
                 <a:extLst>
                   <a:ext uri="{FF2B5EF4-FFF2-40B4-BE49-F238E27FC236}">
-                    <a16:creationId xmlns:a16="http://schemas.microsoft.com/office/drawing/2014/main" id="{A83B143E-BF4C-42BD-BDB1-6F92B84E0590}"/>
+                    <a16:creationId xmlns:a16="http://schemas.microsoft.com/office/drawing/2014/main" xmlns="" id="{A83B143E-BF4C-42BD-BDB1-6F92B84E0590}"/>
                   </a:ext>
                 </a:extLst>
               </p:cNvPr>
@@ -6928,7 +7001,7 @@
               <p:cNvPr id="18" name="Line 14">
                 <a:extLst>
                   <a:ext uri="{FF2B5EF4-FFF2-40B4-BE49-F238E27FC236}">
-                    <a16:creationId xmlns:a16="http://schemas.microsoft.com/office/drawing/2014/main" id="{F4AB0EB9-CAFD-49B1-89AA-E1FFEBE68DB7}"/>
+                    <a16:creationId xmlns:a16="http://schemas.microsoft.com/office/drawing/2014/main" xmlns="" id="{F4AB0EB9-CAFD-49B1-89AA-E1FFEBE68DB7}"/>
                   </a:ext>
                 </a:extLst>
               </p:cNvPr>
@@ -7117,7 +7190,7 @@
             <p:cNvPr id="6" name="AutoShape 15">
               <a:extLst>
                 <a:ext uri="{FF2B5EF4-FFF2-40B4-BE49-F238E27FC236}">
-                  <a16:creationId xmlns:a16="http://schemas.microsoft.com/office/drawing/2014/main" id="{58A92BCA-91F6-4E47-8E46-21D68EEE42E4}"/>
+                  <a16:creationId xmlns:a16="http://schemas.microsoft.com/office/drawing/2014/main" xmlns="" id="{58A92BCA-91F6-4E47-8E46-21D68EEE42E4}"/>
                 </a:ext>
               </a:extLst>
             </p:cNvPr>
@@ -7318,7 +7391,7 @@
             <p:cNvPr id="8" name="AutoShape 17">
               <a:extLst>
                 <a:ext uri="{FF2B5EF4-FFF2-40B4-BE49-F238E27FC236}">
-                  <a16:creationId xmlns:a16="http://schemas.microsoft.com/office/drawing/2014/main" id="{8989EF3E-3F5A-49B1-B7B1-7F40D9D1E4B2}"/>
+                  <a16:creationId xmlns:a16="http://schemas.microsoft.com/office/drawing/2014/main" xmlns="" id="{8989EF3E-3F5A-49B1-B7B1-7F40D9D1E4B2}"/>
                 </a:ext>
               </a:extLst>
             </p:cNvPr>
@@ -7510,7 +7583,7 @@
             <p:cNvPr id="20" name="TextBox 19">
               <a:extLst>
                 <a:ext uri="{FF2B5EF4-FFF2-40B4-BE49-F238E27FC236}">
-                  <a16:creationId xmlns:a16="http://schemas.microsoft.com/office/drawing/2014/main" id="{9CEADBC5-06BF-41D4-B398-BC264269DC62}"/>
+                  <a16:creationId xmlns:a16="http://schemas.microsoft.com/office/drawing/2014/main" xmlns="" id="{9CEADBC5-06BF-41D4-B398-BC264269DC62}"/>
                 </a:ext>
               </a:extLst>
             </p:cNvPr>
@@ -7581,7 +7654,7 @@
           <p:cNvPr id="2" name="Title 1" title="Two’s Complement">
             <a:extLst>
               <a:ext uri="{FF2B5EF4-FFF2-40B4-BE49-F238E27FC236}">
-                <a16:creationId xmlns:a16="http://schemas.microsoft.com/office/drawing/2014/main" id="{0E1E6EB2-BD54-4826-86D3-28BFFD72CEA7}"/>
+                <a16:creationId xmlns:a16="http://schemas.microsoft.com/office/drawing/2014/main" xmlns="" id="{0E1E6EB2-BD54-4826-86D3-28BFFD72CEA7}"/>
               </a:ext>
             </a:extLst>
           </p:cNvPr>
@@ -7610,7 +7683,7 @@
           <p:cNvPr id="3" name="Content Placeholder 2">
             <a:extLst>
               <a:ext uri="{FF2B5EF4-FFF2-40B4-BE49-F238E27FC236}">
-                <a16:creationId xmlns:a16="http://schemas.microsoft.com/office/drawing/2014/main" id="{D56855A0-AA96-4257-BE55-537C984AE0A7}"/>
+                <a16:creationId xmlns:a16="http://schemas.microsoft.com/office/drawing/2014/main" xmlns="" id="{D56855A0-AA96-4257-BE55-537C984AE0A7}"/>
               </a:ext>
             </a:extLst>
           </p:cNvPr>
@@ -7688,7 +7761,7 @@
             <p:cNvPr id="29" name="Group 28">
               <a:extLst>
                 <a:ext uri="{FF2B5EF4-FFF2-40B4-BE49-F238E27FC236}">
-                  <a16:creationId xmlns:a16="http://schemas.microsoft.com/office/drawing/2014/main" id="{CEA63B10-3382-4346-9B34-A99BC5D3F0E6}"/>
+                  <a16:creationId xmlns:a16="http://schemas.microsoft.com/office/drawing/2014/main" xmlns="" id="{CEA63B10-3382-4346-9B34-A99BC5D3F0E6}"/>
                 </a:ext>
               </a:extLst>
             </p:cNvPr>
@@ -7710,7 +7783,7 @@
               <p:cNvPr id="30" name="Group 29">
                 <a:extLst>
                   <a:ext uri="{FF2B5EF4-FFF2-40B4-BE49-F238E27FC236}">
-                    <a16:creationId xmlns:a16="http://schemas.microsoft.com/office/drawing/2014/main" id="{60F7DFC0-D1DD-4B51-8998-A77EFC3C550D}"/>
+                    <a16:creationId xmlns:a16="http://schemas.microsoft.com/office/drawing/2014/main" xmlns="" id="{60F7DFC0-D1DD-4B51-8998-A77EFC3C550D}"/>
                   </a:ext>
                 </a:extLst>
               </p:cNvPr>
@@ -7732,7 +7805,7 @@
                 <p:cNvPr id="43" name="Text Box 6">
                   <a:extLst>
                     <a:ext uri="{FF2B5EF4-FFF2-40B4-BE49-F238E27FC236}">
-                      <a16:creationId xmlns:a16="http://schemas.microsoft.com/office/drawing/2014/main" id="{29A17218-107E-4005-97E2-FD6F02334FAF}"/>
+                      <a16:creationId xmlns:a16="http://schemas.microsoft.com/office/drawing/2014/main" xmlns="" id="{29A17218-107E-4005-97E2-FD6F02334FAF}"/>
                     </a:ext>
                   </a:extLst>
                 </p:cNvPr>
@@ -7933,7 +8006,7 @@
                 <p:cNvPr id="44" name="Text Box 7">
                   <a:extLst>
                     <a:ext uri="{FF2B5EF4-FFF2-40B4-BE49-F238E27FC236}">
-                      <a16:creationId xmlns:a16="http://schemas.microsoft.com/office/drawing/2014/main" id="{B5934059-4D1E-4DBE-9A74-5F81C0D685F5}"/>
+                      <a16:creationId xmlns:a16="http://schemas.microsoft.com/office/drawing/2014/main" xmlns="" id="{B5934059-4D1E-4DBE-9A74-5F81C0D685F5}"/>
                     </a:ext>
                   </a:extLst>
                 </p:cNvPr>
@@ -8134,7 +8207,7 @@
                 <p:cNvPr id="45" name="Line 8">
                   <a:extLst>
                     <a:ext uri="{FF2B5EF4-FFF2-40B4-BE49-F238E27FC236}">
-                      <a16:creationId xmlns:a16="http://schemas.microsoft.com/office/drawing/2014/main" id="{E680ADB2-D005-40E9-87D7-76B53EF26E0A}"/>
+                      <a16:creationId xmlns:a16="http://schemas.microsoft.com/office/drawing/2014/main" xmlns="" id="{E680ADB2-D005-40E9-87D7-76B53EF26E0A}"/>
                     </a:ext>
                   </a:extLst>
                 </p:cNvPr>
@@ -8322,7 +8395,7 @@
                 <p:cNvPr id="46" name="Line 9">
                   <a:extLst>
                     <a:ext uri="{FF2B5EF4-FFF2-40B4-BE49-F238E27FC236}">
-                      <a16:creationId xmlns:a16="http://schemas.microsoft.com/office/drawing/2014/main" id="{7CF77E79-F894-459E-8C62-EBC91AEC4889}"/>
+                      <a16:creationId xmlns:a16="http://schemas.microsoft.com/office/drawing/2014/main" xmlns="" id="{7CF77E79-F894-459E-8C62-EBC91AEC4889}"/>
                     </a:ext>
                   </a:extLst>
                 </p:cNvPr>
@@ -8510,7 +8583,7 @@
                 <p:cNvPr id="47" name="Line 10">
                   <a:extLst>
                     <a:ext uri="{FF2B5EF4-FFF2-40B4-BE49-F238E27FC236}">
-                      <a16:creationId xmlns:a16="http://schemas.microsoft.com/office/drawing/2014/main" id="{7E4E26A8-E780-41CE-B15C-806987E4CFD2}"/>
+                      <a16:creationId xmlns:a16="http://schemas.microsoft.com/office/drawing/2014/main" xmlns="" id="{7E4E26A8-E780-41CE-B15C-806987E4CFD2}"/>
                     </a:ext>
                   </a:extLst>
                 </p:cNvPr>
@@ -8698,7 +8771,7 @@
                 <p:cNvPr id="48" name="Line 11">
                   <a:extLst>
                     <a:ext uri="{FF2B5EF4-FFF2-40B4-BE49-F238E27FC236}">
-                      <a16:creationId xmlns:a16="http://schemas.microsoft.com/office/drawing/2014/main" id="{0879E7A5-63DF-444A-8EDA-C5FC667ADD83}"/>
+                      <a16:creationId xmlns:a16="http://schemas.microsoft.com/office/drawing/2014/main" xmlns="" id="{0879E7A5-63DF-444A-8EDA-C5FC667ADD83}"/>
                     </a:ext>
                   </a:extLst>
                 </p:cNvPr>
@@ -8886,7 +8959,7 @@
                 <p:cNvPr id="49" name="Line 12">
                   <a:extLst>
                     <a:ext uri="{FF2B5EF4-FFF2-40B4-BE49-F238E27FC236}">
-                      <a16:creationId xmlns:a16="http://schemas.microsoft.com/office/drawing/2014/main" id="{8CBC714E-1902-4D91-8265-B97A09BF5EA8}"/>
+                      <a16:creationId xmlns:a16="http://schemas.microsoft.com/office/drawing/2014/main" xmlns="" id="{8CBC714E-1902-4D91-8265-B97A09BF5EA8}"/>
                     </a:ext>
                   </a:extLst>
                 </p:cNvPr>
@@ -9074,7 +9147,7 @@
                 <p:cNvPr id="50" name="Line 13">
                   <a:extLst>
                     <a:ext uri="{FF2B5EF4-FFF2-40B4-BE49-F238E27FC236}">
-                      <a16:creationId xmlns:a16="http://schemas.microsoft.com/office/drawing/2014/main" id="{D1E5A704-369D-4B30-BCBC-25AD43A7DB7E}"/>
+                      <a16:creationId xmlns:a16="http://schemas.microsoft.com/office/drawing/2014/main" xmlns="" id="{D1E5A704-369D-4B30-BCBC-25AD43A7DB7E}"/>
                     </a:ext>
                   </a:extLst>
                 </p:cNvPr>
@@ -9262,7 +9335,7 @@
                 <p:cNvPr id="51" name="Line 14">
                   <a:extLst>
                     <a:ext uri="{FF2B5EF4-FFF2-40B4-BE49-F238E27FC236}">
-                      <a16:creationId xmlns:a16="http://schemas.microsoft.com/office/drawing/2014/main" id="{606BA65A-1107-4CDD-8BCA-DAACE12A6ACB}"/>
+                      <a16:creationId xmlns:a16="http://schemas.microsoft.com/office/drawing/2014/main" xmlns="" id="{606BA65A-1107-4CDD-8BCA-DAACE12A6ACB}"/>
                     </a:ext>
                   </a:extLst>
                 </p:cNvPr>
@@ -9450,7 +9523,7 @@
                 <p:cNvPr id="52" name="Line 15">
                   <a:extLst>
                     <a:ext uri="{FF2B5EF4-FFF2-40B4-BE49-F238E27FC236}">
-                      <a16:creationId xmlns:a16="http://schemas.microsoft.com/office/drawing/2014/main" id="{E63EA1E9-CCEF-48EB-831F-9062C4DA5063}"/>
+                      <a16:creationId xmlns:a16="http://schemas.microsoft.com/office/drawing/2014/main" xmlns="" id="{E63EA1E9-CCEF-48EB-831F-9062C4DA5063}"/>
                     </a:ext>
                   </a:extLst>
                 </p:cNvPr>
@@ -9639,7 +9712,7 @@
               <p:cNvPr id="34" name="Text Box 18">
                 <a:extLst>
                   <a:ext uri="{FF2B5EF4-FFF2-40B4-BE49-F238E27FC236}">
-                    <a16:creationId xmlns:a16="http://schemas.microsoft.com/office/drawing/2014/main" id="{F37585BB-5434-4C21-9E69-70FD0C32AA2E}"/>
+                    <a16:creationId xmlns:a16="http://schemas.microsoft.com/office/drawing/2014/main" xmlns="" id="{F37585BB-5434-4C21-9E69-70FD0C32AA2E}"/>
                   </a:ext>
                 </a:extLst>
               </p:cNvPr>
@@ -9867,7 +9940,7 @@
               <p:cNvPr id="32" name="Text Box 27">
                 <a:extLst>
                   <a:ext uri="{FF2B5EF4-FFF2-40B4-BE49-F238E27FC236}">
-                    <a16:creationId xmlns:a16="http://schemas.microsoft.com/office/drawing/2014/main" id="{C224B338-7F4B-402E-95BE-E68662C90CB3}"/>
+                    <a16:creationId xmlns:a16="http://schemas.microsoft.com/office/drawing/2014/main" xmlns="" id="{C224B338-7F4B-402E-95BE-E68662C90CB3}"/>
                   </a:ext>
                 </a:extLst>
               </p:cNvPr>
@@ -10069,7 +10142,7 @@
             <p:cNvPr id="53" name="TextBox 52">
               <a:extLst>
                 <a:ext uri="{FF2B5EF4-FFF2-40B4-BE49-F238E27FC236}">
-                  <a16:creationId xmlns:a16="http://schemas.microsoft.com/office/drawing/2014/main" id="{C990178D-6872-4508-A76F-9FEF2C478D1C}"/>
+                  <a16:creationId xmlns:a16="http://schemas.microsoft.com/office/drawing/2014/main" xmlns="" id="{C990178D-6872-4508-A76F-9FEF2C478D1C}"/>
                 </a:ext>
               </a:extLst>
             </p:cNvPr>
@@ -10140,7 +10213,7 @@
           <p:cNvPr id="2" name="Title 1">
             <a:extLst>
               <a:ext uri="{FF2B5EF4-FFF2-40B4-BE49-F238E27FC236}">
-                <a16:creationId xmlns:a16="http://schemas.microsoft.com/office/drawing/2014/main" id="{23BB219F-53BE-42F1-87A2-F6385F193B41}"/>
+                <a16:creationId xmlns:a16="http://schemas.microsoft.com/office/drawing/2014/main" xmlns="" id="{23BB219F-53BE-42F1-87A2-F6385F193B41}"/>
               </a:ext>
             </a:extLst>
           </p:cNvPr>
@@ -10171,7 +10244,7 @@
               <p:cNvPr id="3" name="Content Placeholder 2">
                 <a:extLst>
                   <a:ext uri="{FF2B5EF4-FFF2-40B4-BE49-F238E27FC236}">
-                    <a16:creationId xmlns:a16="http://schemas.microsoft.com/office/drawing/2014/main" id="{E3DF5127-2D7F-418B-9DB9-06B48E27EB64}"/>
+                    <a16:creationId xmlns:a16="http://schemas.microsoft.com/office/drawing/2014/main" xmlns="" id="{E3DF5127-2D7F-418B-9DB9-06B48E27EB64}"/>
                   </a:ext>
                 </a:extLst>
               </p:cNvPr>
@@ -10203,7 +10276,7 @@
                       <m:sSupPr>
                         <m:ctrlPr>
                           <a:rPr lang="en-US" i="1">
-                            <a:latin typeface="Cambria Math" panose="02040503050406030204" pitchFamily="18" charset="0"/>
+                            <a:latin typeface="Cambria Math" charset="0"/>
                           </a:rPr>
                         </m:ctrlPr>
                       </m:sSupPr>
@@ -10248,7 +10321,7 @@
                       <m:sSupPr>
                         <m:ctrlPr>
                           <a:rPr lang="en-US" i="1" smtClean="0">
-                            <a:latin typeface="Cambria Math" panose="02040503050406030204" pitchFamily="18" charset="0"/>
+                            <a:latin typeface="Cambria Math" charset="0"/>
                           </a:rPr>
                         </m:ctrlPr>
                       </m:sSupPr>
@@ -10306,7 +10379,7 @@
                       <m:sSupPr>
                         <m:ctrlPr>
                           <a:rPr lang="en-US" i="1">
-                            <a:latin typeface="Cambria Math" panose="02040503050406030204" pitchFamily="18" charset="0"/>
+                            <a:latin typeface="Cambria Math" charset="0"/>
                           </a:rPr>
                         </m:ctrlPr>
                       </m:sSupPr>
@@ -10345,7 +10418,7 @@
                       <m:sSupPr>
                         <m:ctrlPr>
                           <a:rPr lang="en-US" i="1">
-                            <a:latin typeface="Cambria Math" panose="02040503050406030204" pitchFamily="18" charset="0"/>
+                            <a:latin typeface="Cambria Math" charset="0"/>
                           </a:rPr>
                         </m:ctrlPr>
                       </m:sSupPr>
@@ -10457,7 +10530,7 @@
           <p:cNvPr id="2" name="Title 1">
             <a:extLst>
               <a:ext uri="{FF2B5EF4-FFF2-40B4-BE49-F238E27FC236}">
-                <a16:creationId xmlns:a16="http://schemas.microsoft.com/office/drawing/2014/main" id="{96B36D36-2DB6-4DC2-B8C0-AAABADC8D03C}"/>
+                <a16:creationId xmlns:a16="http://schemas.microsoft.com/office/drawing/2014/main" xmlns="" id="{96B36D36-2DB6-4DC2-B8C0-AAABADC8D03C}"/>
               </a:ext>
             </a:extLst>
           </p:cNvPr>
@@ -10488,7 +10561,7 @@
               <p:cNvPr id="3" name="Content Placeholder 2">
                 <a:extLst>
                   <a:ext uri="{FF2B5EF4-FFF2-40B4-BE49-F238E27FC236}">
-                    <a16:creationId xmlns:a16="http://schemas.microsoft.com/office/drawing/2014/main" id="{432BFCC8-7864-4CB1-8C91-C9453AB7AE7E}"/>
+                    <a16:creationId xmlns:a16="http://schemas.microsoft.com/office/drawing/2014/main" xmlns="" id="{432BFCC8-7864-4CB1-8C91-C9453AB7AE7E}"/>
                   </a:ext>
                 </a:extLst>
               </p:cNvPr>
@@ -10520,7 +10593,7 @@
                       <m:sSupPr>
                         <m:ctrlPr>
                           <a:rPr lang="en-US" i="1" smtClean="0">
-                            <a:latin typeface="Cambria Math" panose="02040503050406030204" pitchFamily="18" charset="0"/>
+                            <a:latin typeface="Cambria Math" charset="0"/>
                           </a:rPr>
                         </m:ctrlPr>
                       </m:sSupPr>
@@ -10579,7 +10652,7 @@
                       <m:sSupPr>
                         <m:ctrlPr>
                           <a:rPr lang="en-US" i="1">
-                            <a:latin typeface="Cambria Math" panose="02040503050406030204" pitchFamily="18" charset="0"/>
+                            <a:latin typeface="Cambria Math" charset="0"/>
                           </a:rPr>
                         </m:ctrlPr>
                       </m:sSupPr>
@@ -10805,7 +10878,7 @@
           <p:cNvPr id="2" name="Title 1">
             <a:extLst>
               <a:ext uri="{FF2B5EF4-FFF2-40B4-BE49-F238E27FC236}">
-                <a16:creationId xmlns:a16="http://schemas.microsoft.com/office/drawing/2014/main" id="{C48475F1-5184-4918-9811-9B38D2A313C9}"/>
+                <a16:creationId xmlns:a16="http://schemas.microsoft.com/office/drawing/2014/main" xmlns="" id="{C48475F1-5184-4918-9811-9B38D2A313C9}"/>
               </a:ext>
             </a:extLst>
           </p:cNvPr>
@@ -10834,7 +10907,7 @@
           <p:cNvPr id="3" name="Content Placeholder 2">
             <a:extLst>
               <a:ext uri="{FF2B5EF4-FFF2-40B4-BE49-F238E27FC236}">
-                <a16:creationId xmlns:a16="http://schemas.microsoft.com/office/drawing/2014/main" id="{0D5DFEBE-E0F2-40F4-92C5-BE81C971EB75}"/>
+                <a16:creationId xmlns:a16="http://schemas.microsoft.com/office/drawing/2014/main" xmlns="" id="{0D5DFEBE-E0F2-40F4-92C5-BE81C971EB75}"/>
               </a:ext>
             </a:extLst>
           </p:cNvPr>
@@ -10937,7 +11010,7 @@
           <p:cNvPr id="2" name="Title 1" title="Maximum and Minimum Values for Integers">
             <a:extLst>
               <a:ext uri="{FF2B5EF4-FFF2-40B4-BE49-F238E27FC236}">
-                <a16:creationId xmlns:a16="http://schemas.microsoft.com/office/drawing/2014/main" id="{097F89B8-0D51-4B75-82FE-49129364658F}"/>
+                <a16:creationId xmlns:a16="http://schemas.microsoft.com/office/drawing/2014/main" xmlns="" id="{097F89B8-0D51-4B75-82FE-49129364658F}"/>
               </a:ext>
             </a:extLst>
           </p:cNvPr>
@@ -10965,7 +11038,7 @@
           <p:cNvPr id="4" name="Table 3" title="Maximum and Minimum Values for Integers">
             <a:extLst>
               <a:ext uri="{FF2B5EF4-FFF2-40B4-BE49-F238E27FC236}">
-                <a16:creationId xmlns:a16="http://schemas.microsoft.com/office/drawing/2014/main" id="{46272AE3-B6A8-4057-A4D3-8ACFF6DC3FD6}"/>
+                <a16:creationId xmlns:a16="http://schemas.microsoft.com/office/drawing/2014/main" xmlns="" id="{46272AE3-B6A8-4057-A4D3-8ACFF6DC3FD6}"/>
               </a:ext>
             </a:extLst>
           </p:cNvPr>
@@ -10994,35 +11067,35 @@
                 <a:gridCol w="1892984">
                   <a:extLst>
                     <a:ext uri="{9D8B030D-6E8A-4147-A177-3AD203B41FA5}">
-                      <a16:colId xmlns:a16="http://schemas.microsoft.com/office/drawing/2014/main" val="1422869501"/>
+                      <a16:colId xmlns:a16="http://schemas.microsoft.com/office/drawing/2014/main" xmlns="" val="1422869501"/>
                     </a:ext>
                   </a:extLst>
                 </a:gridCol>
                 <a:gridCol w="854613">
                   <a:extLst>
                     <a:ext uri="{9D8B030D-6E8A-4147-A177-3AD203B41FA5}">
-                      <a16:colId xmlns:a16="http://schemas.microsoft.com/office/drawing/2014/main" val="2531512289"/>
+                      <a16:colId xmlns:a16="http://schemas.microsoft.com/office/drawing/2014/main" xmlns="" val="2531512289"/>
                     </a:ext>
                   </a:extLst>
                 </a:gridCol>
                 <a:gridCol w="991772">
                   <a:extLst>
                     <a:ext uri="{9D8B030D-6E8A-4147-A177-3AD203B41FA5}">
-                      <a16:colId xmlns:a16="http://schemas.microsoft.com/office/drawing/2014/main" val="2370488718"/>
+                      <a16:colId xmlns:a16="http://schemas.microsoft.com/office/drawing/2014/main" xmlns="" val="2370488718"/>
                     </a:ext>
                   </a:extLst>
                 </a:gridCol>
                 <a:gridCol w="1572065">
                   <a:extLst>
                     <a:ext uri="{9D8B030D-6E8A-4147-A177-3AD203B41FA5}">
-                      <a16:colId xmlns:a16="http://schemas.microsoft.com/office/drawing/2014/main" val="3111152964"/>
+                      <a16:colId xmlns:a16="http://schemas.microsoft.com/office/drawing/2014/main" xmlns="" val="3111152964"/>
                     </a:ext>
                   </a:extLst>
                 </a:gridCol>
                 <a:gridCol w="2575267">
                   <a:extLst>
                     <a:ext uri="{9D8B030D-6E8A-4147-A177-3AD203B41FA5}">
-                      <a16:colId xmlns:a16="http://schemas.microsoft.com/office/drawing/2014/main" val="1316970376"/>
+                      <a16:colId xmlns:a16="http://schemas.microsoft.com/office/drawing/2014/main" xmlns="" val="1316970376"/>
                     </a:ext>
                   </a:extLst>
                 </a:gridCol>
@@ -11113,7 +11186,7 @@
                 </a:tc>
                 <a:extLst>
                   <a:ext uri="{0D108BD9-81ED-4DB2-BD59-A6C34878D82A}">
-                    <a16:rowId xmlns:a16="http://schemas.microsoft.com/office/drawing/2014/main" val="399221122"/>
+                    <a16:rowId xmlns:a16="http://schemas.microsoft.com/office/drawing/2014/main" xmlns="" val="399221122"/>
                   </a:ext>
                 </a:extLst>
               </a:tr>
@@ -11210,7 +11283,7 @@
                 </a:tc>
                 <a:extLst>
                   <a:ext uri="{0D108BD9-81ED-4DB2-BD59-A6C34878D82A}">
-                    <a16:rowId xmlns:a16="http://schemas.microsoft.com/office/drawing/2014/main" val="4017697112"/>
+                    <a16:rowId xmlns:a16="http://schemas.microsoft.com/office/drawing/2014/main" xmlns="" val="4017697112"/>
                   </a:ext>
                 </a:extLst>
               </a:tr>
@@ -11307,7 +11380,7 @@
                 </a:tc>
                 <a:extLst>
                   <a:ext uri="{0D108BD9-81ED-4DB2-BD59-A6C34878D82A}">
-                    <a16:rowId xmlns:a16="http://schemas.microsoft.com/office/drawing/2014/main" val="2155737452"/>
+                    <a16:rowId xmlns:a16="http://schemas.microsoft.com/office/drawing/2014/main" xmlns="" val="2155737452"/>
                   </a:ext>
                 </a:extLst>
               </a:tr>
@@ -11384,7 +11457,7 @@
                 </a:tc>
                 <a:extLst>
                   <a:ext uri="{0D108BD9-81ED-4DB2-BD59-A6C34878D82A}">
-                    <a16:rowId xmlns:a16="http://schemas.microsoft.com/office/drawing/2014/main" val="1048983928"/>
+                    <a16:rowId xmlns:a16="http://schemas.microsoft.com/office/drawing/2014/main" xmlns="" val="1048983928"/>
                   </a:ext>
                 </a:extLst>
               </a:tr>
@@ -11513,7 +11586,7 @@
                 </a:tc>
                 <a:extLst>
                   <a:ext uri="{0D108BD9-81ED-4DB2-BD59-A6C34878D82A}">
-                    <a16:rowId xmlns:a16="http://schemas.microsoft.com/office/drawing/2014/main" val="946593561"/>
+                    <a16:rowId xmlns:a16="http://schemas.microsoft.com/office/drawing/2014/main" xmlns="" val="946593561"/>
                   </a:ext>
                 </a:extLst>
               </a:tr>
@@ -11556,7 +11629,7 @@
           <p:cNvPr id="2" name="Title 1">
             <a:extLst>
               <a:ext uri="{FF2B5EF4-FFF2-40B4-BE49-F238E27FC236}">
-                <a16:creationId xmlns:a16="http://schemas.microsoft.com/office/drawing/2014/main" id="{FC33F3D2-6167-42D4-B5A6-3733EE8917FD}"/>
+                <a16:creationId xmlns:a16="http://schemas.microsoft.com/office/drawing/2014/main" xmlns="" id="{FC33F3D2-6167-42D4-B5A6-3733EE8917FD}"/>
               </a:ext>
             </a:extLst>
           </p:cNvPr>
@@ -11585,7 +11658,7 @@
           <p:cNvPr id="3" name="Content Placeholder 2">
             <a:extLst>
               <a:ext uri="{FF2B5EF4-FFF2-40B4-BE49-F238E27FC236}">
-                <a16:creationId xmlns:a16="http://schemas.microsoft.com/office/drawing/2014/main" id="{54BD8A57-9478-4A9D-81BD-69B1C8CD4CE2}"/>
+                <a16:creationId xmlns:a16="http://schemas.microsoft.com/office/drawing/2014/main" xmlns="" id="{54BD8A57-9478-4A9D-81BD-69B1C8CD4CE2}"/>
               </a:ext>
             </a:extLst>
           </p:cNvPr>
@@ -11703,7 +11776,7 @@
           <p:cNvPr id="2" name="Title 1">
             <a:extLst>
               <a:ext uri="{FF2B5EF4-FFF2-40B4-BE49-F238E27FC236}">
-                <a16:creationId xmlns:a16="http://schemas.microsoft.com/office/drawing/2014/main" id="{444A7545-BBF8-4C3F-B40D-AFAC3A03D968}"/>
+                <a16:creationId xmlns:a16="http://schemas.microsoft.com/office/drawing/2014/main" xmlns="" id="{444A7545-BBF8-4C3F-B40D-AFAC3A03D968}"/>
               </a:ext>
             </a:extLst>
           </p:cNvPr>
@@ -11732,7 +11805,7 @@
           <p:cNvPr id="3" name="Content Placeholder 2">
             <a:extLst>
               <a:ext uri="{FF2B5EF4-FFF2-40B4-BE49-F238E27FC236}">
-                <a16:creationId xmlns:a16="http://schemas.microsoft.com/office/drawing/2014/main" id="{E7CB8EA8-6100-47E3-B809-964315076B69}"/>
+                <a16:creationId xmlns:a16="http://schemas.microsoft.com/office/drawing/2014/main" xmlns="" id="{E7CB8EA8-6100-47E3-B809-964315076B69}"/>
               </a:ext>
             </a:extLst>
           </p:cNvPr>
@@ -11809,7 +11882,7 @@
           <p:cNvPr id="4" name="AutoShape 5">
             <a:extLst>
               <a:ext uri="{FF2B5EF4-FFF2-40B4-BE49-F238E27FC236}">
-                <a16:creationId xmlns:a16="http://schemas.microsoft.com/office/drawing/2014/main" id="{2A932431-E507-4A70-904F-4EAB1A683C6A}"/>
+                <a16:creationId xmlns:a16="http://schemas.microsoft.com/office/drawing/2014/main" xmlns="" id="{2A932431-E507-4A70-904F-4EAB1A683C6A}"/>
               </a:ext>
             </a:extLst>
           </p:cNvPr>
@@ -12001,7 +12074,7 @@
           <p:cNvPr id="5" name="AutoShape 6">
             <a:extLst>
               <a:ext uri="{FF2B5EF4-FFF2-40B4-BE49-F238E27FC236}">
-                <a16:creationId xmlns:a16="http://schemas.microsoft.com/office/drawing/2014/main" id="{18C29257-A4E7-42AE-9618-5C0C7718ACDD}"/>
+                <a16:creationId xmlns:a16="http://schemas.microsoft.com/office/drawing/2014/main" xmlns="" id="{18C29257-A4E7-42AE-9618-5C0C7718ACDD}"/>
               </a:ext>
             </a:extLst>
           </p:cNvPr>
@@ -12223,7 +12296,7 @@
           <p:cNvPr id="2" name="Title 1">
             <a:extLst>
               <a:ext uri="{FF2B5EF4-FFF2-40B4-BE49-F238E27FC236}">
-                <a16:creationId xmlns:a16="http://schemas.microsoft.com/office/drawing/2014/main" id="{C7286AD1-5105-4F83-97DD-250DB0B81029}"/>
+                <a16:creationId xmlns:a16="http://schemas.microsoft.com/office/drawing/2014/main" xmlns="" id="{C7286AD1-5105-4F83-97DD-250DB0B81029}"/>
               </a:ext>
             </a:extLst>
           </p:cNvPr>
@@ -12251,7 +12324,7 @@
           <p:cNvPr id="3" name="Content Placeholder 2">
             <a:extLst>
               <a:ext uri="{FF2B5EF4-FFF2-40B4-BE49-F238E27FC236}">
-                <a16:creationId xmlns:a16="http://schemas.microsoft.com/office/drawing/2014/main" id="{31302169-3AE0-480B-9C3E-E6232FC8205A}"/>
+                <a16:creationId xmlns:a16="http://schemas.microsoft.com/office/drawing/2014/main" xmlns="" id="{31302169-3AE0-480B-9C3E-E6232FC8205A}"/>
               </a:ext>
             </a:extLst>
           </p:cNvPr>
@@ -12313,7 +12386,7 @@
           <p:cNvPr id="4" name="AutoShape 4">
             <a:extLst>
               <a:ext uri="{FF2B5EF4-FFF2-40B4-BE49-F238E27FC236}">
-                <a16:creationId xmlns:a16="http://schemas.microsoft.com/office/drawing/2014/main" id="{D7FE09C5-6F8B-4076-80FD-228EE4AB922F}"/>
+                <a16:creationId xmlns:a16="http://schemas.microsoft.com/office/drawing/2014/main" xmlns="" id="{D7FE09C5-6F8B-4076-80FD-228EE4AB922F}"/>
               </a:ext>
             </a:extLst>
           </p:cNvPr>
@@ -12505,7 +12578,7 @@
           <p:cNvPr id="5" name="AutoShape 5">
             <a:extLst>
               <a:ext uri="{FF2B5EF4-FFF2-40B4-BE49-F238E27FC236}">
-                <a16:creationId xmlns:a16="http://schemas.microsoft.com/office/drawing/2014/main" id="{78733A1C-D8F2-4299-A7A4-8998437A9EB6}"/>
+                <a16:creationId xmlns:a16="http://schemas.microsoft.com/office/drawing/2014/main" xmlns="" id="{78733A1C-D8F2-4299-A7A4-8998437A9EB6}"/>
               </a:ext>
             </a:extLst>
           </p:cNvPr>
@@ -12727,7 +12800,7 @@
           <p:cNvPr id="2" name="Title 1">
             <a:extLst>
               <a:ext uri="{FF2B5EF4-FFF2-40B4-BE49-F238E27FC236}">
-                <a16:creationId xmlns:a16="http://schemas.microsoft.com/office/drawing/2014/main" id="{F5645B86-AB6D-4EA4-980B-062E7D5FF4FF}"/>
+                <a16:creationId xmlns:a16="http://schemas.microsoft.com/office/drawing/2014/main" xmlns="" id="{F5645B86-AB6D-4EA4-980B-062E7D5FF4FF}"/>
               </a:ext>
             </a:extLst>
           </p:cNvPr>
@@ -12756,7 +12829,7 @@
           <p:cNvPr id="3" name="Content Placeholder 2">
             <a:extLst>
               <a:ext uri="{FF2B5EF4-FFF2-40B4-BE49-F238E27FC236}">
-                <a16:creationId xmlns:a16="http://schemas.microsoft.com/office/drawing/2014/main" id="{5465ED14-6636-4BE4-AF9F-7290A3787662}"/>
+                <a16:creationId xmlns:a16="http://schemas.microsoft.com/office/drawing/2014/main" xmlns="" id="{5465ED14-6636-4BE4-AF9F-7290A3787662}"/>
               </a:ext>
             </a:extLst>
           </p:cNvPr>
@@ -12936,10 +13009,10 @@
       </p:grpSpPr>
       <p:sp>
         <p:nvSpPr>
-          <p:cNvPr id="8" name="Title 1">
+          <p:cNvPr id="7" name="Slide Number Placeholder 6">
             <a:extLst>
               <a:ext uri="{FF2B5EF4-FFF2-40B4-BE49-F238E27FC236}">
-                <a16:creationId xmlns:a16="http://schemas.microsoft.com/office/drawing/2014/main" id="{992F630B-24C8-4726-85FB-CF06F2B12F86}"/>
+                <a16:creationId xmlns="" xmlns:a16="http://schemas.microsoft.com/office/drawing/2014/main" id="{27B55DC7-B95B-4807-B808-1E7A81E0F45A}"/>
               </a:ext>
             </a:extLst>
           </p:cNvPr>
@@ -12947,80 +13020,340 @@
             <a:spLocks noGrp="1"/>
           </p:cNvSpPr>
           <p:nvPr>
-            <p:ph type="title"/>
+            <p:ph type="sldNum" sz="quarter" idx="10"/>
           </p:nvPr>
         </p:nvSpPr>
         <p:spPr/>
         <p:txBody>
           <a:bodyPr/>
+          <a:lstStyle/>
+          <a:p>
+            <a:fld id="{FB267019-40B7-405C-98B7-75F3216AFF79}" type="slidenum">
+              <a:rPr lang="en-US" smtClean="0"/>
+              <a:pPr/>
+              <a:t>27</a:t>
+            </a:fld>
+            <a:endParaRPr lang="en-US" dirty="0"/>
+          </a:p>
+        </p:txBody>
+      </p:sp>
+      <p:sp>
+        <p:nvSpPr>
+          <p:cNvPr id="19" name="Text Placeholder 7">
+            <a:extLst>
+              <a:ext uri="{FF2B5EF4-FFF2-40B4-BE49-F238E27FC236}">
+                <a16:creationId xmlns="" xmlns:a16="http://schemas.microsoft.com/office/drawing/2014/main" id="{2785A2B3-FCF4-4D59-9841-12917D91B27A}"/>
+              </a:ext>
+            </a:extLst>
+          </p:cNvPr>
+          <p:cNvSpPr txBox="1">
+            <a:spLocks/>
+          </p:cNvSpPr>
+          <p:nvPr/>
+        </p:nvSpPr>
+        <p:spPr>
+          <a:xfrm>
+            <a:off x="725683" y="871606"/>
+            <a:ext cx="7893050" cy="5114787"/>
+          </a:xfrm>
+          <a:prstGeom prst="rect">
+            <a:avLst/>
+          </a:prstGeom>
+        </p:spPr>
+        <p:txBody>
+          <a:bodyPr/>
           <a:lstStyle>
-            <a:lvl1pPr algn="ctr">
-              <a:defRPr sz="1800"/>
+            <a:lvl1pPr marL="0" indent="0" algn="ctr" defTabSz="685800" rtl="0" eaLnBrk="0" fontAlgn="base" hangingPunct="0">
+              <a:lnSpc>
+                <a:spcPct val="90000"/>
+              </a:lnSpc>
+              <a:spcBef>
+                <a:spcPts val="750"/>
+              </a:spcBef>
+              <a:spcAft>
+                <a:spcPct val="0"/>
+              </a:spcAft>
+              <a:buFont typeface="Arial" charset="0"/>
+              <a:buNone/>
+              <a:defRPr sz="1800" kern="1200">
+                <a:solidFill>
+                  <a:schemeClr val="tx1"/>
+                </a:solidFill>
+                <a:latin typeface="+mn-lt"/>
+                <a:ea typeface="+mn-ea"/>
+                <a:cs typeface="+mn-cs"/>
+              </a:defRPr>
             </a:lvl1pPr>
+            <a:lvl2pPr marL="514350" indent="-171450" algn="l" defTabSz="685800" rtl="0" eaLnBrk="0" fontAlgn="base" hangingPunct="0">
+              <a:lnSpc>
+                <a:spcPct val="90000"/>
+              </a:lnSpc>
+              <a:spcBef>
+                <a:spcPts val="375"/>
+              </a:spcBef>
+              <a:spcAft>
+                <a:spcPct val="0"/>
+              </a:spcAft>
+              <a:buFont typeface="Arial" charset="0"/>
+              <a:buChar char="•"/>
+              <a:defRPr sz="2400" kern="1200">
+                <a:solidFill>
+                  <a:schemeClr val="tx1"/>
+                </a:solidFill>
+                <a:latin typeface="+mn-lt"/>
+                <a:ea typeface="+mn-ea"/>
+                <a:cs typeface="+mn-cs"/>
+              </a:defRPr>
+            </a:lvl2pPr>
+            <a:lvl3pPr marL="857250" indent="-171450" algn="l" defTabSz="685800" rtl="0" eaLnBrk="0" fontAlgn="base" hangingPunct="0">
+              <a:lnSpc>
+                <a:spcPct val="90000"/>
+              </a:lnSpc>
+              <a:spcBef>
+                <a:spcPts val="375"/>
+              </a:spcBef>
+              <a:spcAft>
+                <a:spcPct val="0"/>
+              </a:spcAft>
+              <a:buFont typeface="Arial" charset="0"/>
+              <a:buChar char="•"/>
+              <a:defRPr sz="1800" kern="1200">
+                <a:solidFill>
+                  <a:schemeClr val="tx1"/>
+                </a:solidFill>
+                <a:latin typeface="+mn-lt"/>
+                <a:ea typeface="+mn-ea"/>
+                <a:cs typeface="+mn-cs"/>
+              </a:defRPr>
+            </a:lvl3pPr>
+            <a:lvl4pPr marL="1200150" indent="-171450" algn="l" defTabSz="685800" rtl="0" eaLnBrk="0" fontAlgn="base" hangingPunct="0">
+              <a:lnSpc>
+                <a:spcPct val="90000"/>
+              </a:lnSpc>
+              <a:spcBef>
+                <a:spcPts val="375"/>
+              </a:spcBef>
+              <a:spcAft>
+                <a:spcPct val="0"/>
+              </a:spcAft>
+              <a:buFont typeface="Arial" charset="0"/>
+              <a:buChar char="•"/>
+              <a:defRPr sz="1600" kern="1200">
+                <a:solidFill>
+                  <a:schemeClr val="tx1"/>
+                </a:solidFill>
+                <a:latin typeface="+mn-lt"/>
+                <a:ea typeface="+mn-ea"/>
+                <a:cs typeface="+mn-cs"/>
+              </a:defRPr>
+            </a:lvl4pPr>
+            <a:lvl5pPr marL="1543050" indent="-171450" algn="l" defTabSz="685800" rtl="0" eaLnBrk="0" fontAlgn="base" hangingPunct="0">
+              <a:lnSpc>
+                <a:spcPct val="90000"/>
+              </a:lnSpc>
+              <a:spcBef>
+                <a:spcPts val="375"/>
+              </a:spcBef>
+              <a:spcAft>
+                <a:spcPct val="0"/>
+              </a:spcAft>
+              <a:buFont typeface="Arial" charset="0"/>
+              <a:buChar char="•"/>
+              <a:defRPr sz="1600" kern="1200">
+                <a:solidFill>
+                  <a:schemeClr val="tx1"/>
+                </a:solidFill>
+                <a:latin typeface="+mn-lt"/>
+                <a:ea typeface="+mn-ea"/>
+                <a:cs typeface="+mn-cs"/>
+              </a:defRPr>
+            </a:lvl5pPr>
+            <a:lvl6pPr marL="1885950" indent="-171450" algn="l" defTabSz="685800" rtl="0" eaLnBrk="1" latinLnBrk="0" hangingPunct="1">
+              <a:lnSpc>
+                <a:spcPct val="90000"/>
+              </a:lnSpc>
+              <a:spcBef>
+                <a:spcPts val="375"/>
+              </a:spcBef>
+              <a:buFont typeface="Arial" panose="020B0604020202020204" pitchFamily="34" charset="0"/>
+              <a:buChar char="•"/>
+              <a:defRPr sz="1350" kern="1200">
+                <a:solidFill>
+                  <a:schemeClr val="tx1"/>
+                </a:solidFill>
+                <a:latin typeface="+mn-lt"/>
+                <a:ea typeface="+mn-ea"/>
+                <a:cs typeface="+mn-cs"/>
+              </a:defRPr>
+            </a:lvl6pPr>
+            <a:lvl7pPr marL="2228850" indent="-171450" algn="l" defTabSz="685800" rtl="0" eaLnBrk="1" latinLnBrk="0" hangingPunct="1">
+              <a:lnSpc>
+                <a:spcPct val="90000"/>
+              </a:lnSpc>
+              <a:spcBef>
+                <a:spcPts val="375"/>
+              </a:spcBef>
+              <a:buFont typeface="Arial" panose="020B0604020202020204" pitchFamily="34" charset="0"/>
+              <a:buChar char="•"/>
+              <a:defRPr sz="1350" kern="1200">
+                <a:solidFill>
+                  <a:schemeClr val="tx1"/>
+                </a:solidFill>
+                <a:latin typeface="+mn-lt"/>
+                <a:ea typeface="+mn-ea"/>
+                <a:cs typeface="+mn-cs"/>
+              </a:defRPr>
+            </a:lvl7pPr>
+            <a:lvl8pPr marL="2571750" indent="-171450" algn="l" defTabSz="685800" rtl="0" eaLnBrk="1" latinLnBrk="0" hangingPunct="1">
+              <a:lnSpc>
+                <a:spcPct val="90000"/>
+              </a:lnSpc>
+              <a:spcBef>
+                <a:spcPts val="375"/>
+              </a:spcBef>
+              <a:buFont typeface="Arial" panose="020B0604020202020204" pitchFamily="34" charset="0"/>
+              <a:buChar char="•"/>
+              <a:defRPr sz="1350" kern="1200">
+                <a:solidFill>
+                  <a:schemeClr val="tx1"/>
+                </a:solidFill>
+                <a:latin typeface="+mn-lt"/>
+                <a:ea typeface="+mn-ea"/>
+                <a:cs typeface="+mn-cs"/>
+              </a:defRPr>
+            </a:lvl8pPr>
+            <a:lvl9pPr marL="2914650" indent="-171450" algn="l" defTabSz="685800" rtl="0" eaLnBrk="1" latinLnBrk="0" hangingPunct="1">
+              <a:lnSpc>
+                <a:spcPct val="90000"/>
+              </a:lnSpc>
+              <a:spcBef>
+                <a:spcPts val="375"/>
+              </a:spcBef>
+              <a:buFont typeface="Arial" panose="020B0604020202020204" pitchFamily="34" charset="0"/>
+              <a:buChar char="•"/>
+              <a:defRPr sz="1350" kern="1200">
+                <a:solidFill>
+                  <a:schemeClr val="tx1"/>
+                </a:solidFill>
+                <a:latin typeface="+mn-lt"/>
+                <a:ea typeface="+mn-ea"/>
+                <a:cs typeface="+mn-cs"/>
+              </a:defRPr>
+            </a:lvl9pPr>
           </a:lstStyle>
           <a:p>
+            <a:r>
+              <a:rPr lang="en-US" dirty="0"/>
+              <a:t>Please attribute Dr. Jim Alves-Foss and Dr. Jia Song, University of Idaho</a:t>
+            </a:r>
             <a:br>
-              <a:rPr lang="en-US"/>
+              <a:rPr lang="en-US" dirty="0"/>
             </a:br>
             <a:r>
-              <a:rPr lang="en-US"/>
-              <a:t>Please attribute Dr. Jim Alves-Foss and Dr. Jia Song, University of Idaho</a:t>
+              <a:rPr lang="en-US" dirty="0"/>
+              <a:t/>
             </a:r>
             <a:br>
-              <a:rPr lang="en-US"/>
+              <a:rPr lang="en-US" dirty="0"/>
             </a:br>
+            <a:r>
+              <a:rPr lang="en-US" dirty="0"/>
+              <a:t/>
+            </a:r>
             <a:br>
-              <a:rPr lang="en-US"/>
+              <a:rPr lang="en-US" dirty="0"/>
             </a:br>
+            <a:r>
+              <a:rPr lang="en-US" dirty="0"/>
+              <a:t/>
+            </a:r>
             <a:br>
-              <a:rPr lang="en-US"/>
+              <a:rPr lang="en-US" dirty="0"/>
             </a:br>
+            <a:r>
+              <a:rPr lang="en-US" dirty="0"/>
+              <a:t/>
+            </a:r>
             <a:br>
-              <a:rPr lang="en-US"/>
+              <a:rPr lang="en-US" dirty="0"/>
             </a:br>
+            <a:r>
+              <a:rPr lang="en-US" dirty="0"/>
+              <a:t/>
+            </a:r>
             <a:br>
-              <a:rPr lang="en-US"/>
+              <a:rPr lang="en-US" dirty="0"/>
             </a:br>
+            <a:r>
+              <a:rPr lang="en-US" dirty="0"/>
+              <a:t/>
+            </a:r>
             <a:br>
-              <a:rPr lang="en-US"/>
+              <a:rPr lang="en-US" dirty="0"/>
             </a:br>
+            <a:r>
+              <a:rPr lang="en-US" dirty="0"/>
+              <a:t/>
+            </a:r>
             <a:br>
-              <a:rPr lang="en-US"/>
-            </a:br>
-            <a:br>
-              <a:rPr lang="en-US"/>
-            </a:br>
-            <a:br>
-              <a:rPr lang="en-US"/>
-            </a:br>
-            <a:r>
-              <a:rPr lang="en-US"/>
-              <a:t>Except where otherwise noted, this work is licensed under https://creativecommons.org/licenses/by-nc-sa/4.0/</a:t>
-            </a:r>
-            <a:br>
-              <a:rPr lang="en-US"/>
-            </a:br>
-            <a:br>
-              <a:rPr lang="en-US"/>
-            </a:br>
-            <a:r>
-              <a:rPr lang="en-US"/>
-              <a:t>Not withstanding the non-commercial license terms, non-profit educational institutions are granted a non-exclusive license to adapt and use this material, with attribution.</a:t>
-            </a:r>
-            <a:br>
-              <a:rPr lang="en-US"/>
-            </a:br>
-            <a:br>
-              <a:rPr lang="en-US"/>
-            </a:br>
-            <a:r>
-              <a:rPr lang="en-US"/>
-              <a:t>Creative Commons and the double C in a circle are registered trademarks of Creative commons in the United States and other countries. Third party marks and brands are the property of their respective holders.</a:t>
-            </a:r>
-            <a:br>
-              <a:rPr lang="en-US"/>
+              <a:rPr lang="en-US" dirty="0"/>
             </a:br>
             <a:endParaRPr lang="en-US" dirty="0"/>
+          </a:p>
+          <a:p>
+            <a:r>
+              <a:rPr lang="en-US" sz="1600" dirty="0"/>
+              <a:t>Except where otherwise noted, this work is licensed under https://creativecommons.org/licenses/by-nc-sa/4.0/</a:t>
+            </a:r>
+            <a:br>
+              <a:rPr lang="en-US" sz="1600" dirty="0"/>
+            </a:br>
+            <a:r>
+              <a:rPr lang="en-US" sz="1600" dirty="0"/>
+              <a:t/>
+            </a:r>
+            <a:br>
+              <a:rPr lang="en-US" sz="1600" dirty="0"/>
+            </a:br>
+            <a:r>
+              <a:rPr lang="en-US" sz="1600" dirty="0"/>
+              <a:t>Not withstanding the non-commercial license terms, non-profit educational institutions are granted a non-exclusive license to adapt and use this material, with attribution.</a:t>
+            </a:r>
+            <a:br>
+              <a:rPr lang="en-US" sz="1600" dirty="0"/>
+            </a:br>
+            <a:r>
+              <a:rPr lang="en-US" sz="1600" dirty="0"/>
+              <a:t/>
+            </a:r>
+            <a:br>
+              <a:rPr lang="en-US" sz="1600" dirty="0"/>
+            </a:br>
+            <a:r>
+              <a:rPr lang="en-US" sz="1600" dirty="0"/>
+              <a:t>Creative Commons and the double C in a circle are registered trademarks of Creative commons in the United States and other countries. Third party marks and brands are the property of their respective holders</a:t>
+            </a:r>
+            <a:r>
+              <a:rPr lang="en-US" sz="1600" dirty="0" smtClean="0"/>
+              <a:t>.</a:t>
+            </a:r>
+          </a:p>
+          <a:p>
+            <a:r>
+              <a:rPr lang="en-US" sz="1600" dirty="0"/>
+              <a:t>Project sponsored by the National Security Agency under grant Number </a:t>
+            </a:r>
+            <a:r>
+              <a:rPr lang="en-US" sz="1600" dirty="0" smtClean="0"/>
+              <a:t>H98230-17-1-0199. The </a:t>
+            </a:r>
+            <a:r>
+              <a:rPr lang="en-US" sz="1600" dirty="0"/>
+              <a:t>United States Government is authorized to reproduce and distribute reprints notwithstanding any copyright notation herein.</a:t>
+            </a:r>
+          </a:p>
+          <a:p>
+            <a:endParaRPr lang="en-US" sz="1600" dirty="0"/>
           </a:p>
         </p:txBody>
       </p:sp>
@@ -13030,7 +13363,7 @@
     </p:custDataLst>
     <p:extLst>
       <p:ext uri="{BB962C8B-B14F-4D97-AF65-F5344CB8AC3E}">
-        <p14:creationId xmlns:p14="http://schemas.microsoft.com/office/powerpoint/2010/main" val="1892705052"/>
+        <p14:creationId xmlns:p14="http://schemas.microsoft.com/office/powerpoint/2010/main" val="1094124278"/>
       </p:ext>
     </p:extLst>
   </p:cSld>
@@ -13924,12 +14257,13 @@
   <p:tag name="AUDIO_ID" val="333"/>
   <p:tag name="ARTICULATE_NAV_LEVEL" val="1"/>
   <p:tag name="ARTICULATE_TOC_EXPANDED" val="True"/>
-  <p:tag name="ARTICULATE_SLIDE_PRESENTER_GUID" val="ee58492c-7408-4409-b5d7-fc69e46ae5b4"/>
-  <p:tag name="ARTICULATE_SLIDE_PAUSE" val="1"/>
+  <p:tag name="ARTICULATE_SLIDE_PRESENTER_GUID" val="b6afec6b-4ad9-49aa-931c-79381ce9333b"/>
+  <p:tag name="ARTICULATE_SLIDE_PAUSE" val="0"/>
   <p:tag name="ARTICULATE_HIDE_SLIDE" val="0"/>
   <p:tag name="ARTICULATE_PLAYER_CONTROL_PREVIOUS" val="True"/>
   <p:tag name="ARTICULATE_PLAYER_CONTROL_NEXT" val="True"/>
   <p:tag name="ARTICULATE_USED_LAYOUT" val="9"/>
+  <p:tag name="ARTICULATE_SLIDE_THUMBNAIL_REFRESH" val="1"/>
 </p:tagLst>
 </file>
 
